--- a/Students Performance Dashboard/FINAL PROJECT/STUDENTS PERFOMANCE ANALYSIS.pptx
+++ b/Students Performance Dashboard/FINAL PROJECT/STUDENTS PERFOMANCE ANALYSIS.pptx
@@ -16928,13 +16928,13 @@
 </file>
 
 <file path=customXml/itemProps1.xml><?xml version="1.0" encoding="utf-8"?>
-<ds:datastoreItem xmlns:ds="http://schemas.openxmlformats.org/officeDocument/2006/customXml" ds:itemID="{B6713D9A-EF54-4BF7-BC44-BC817C3F4EEB}"/>
+<ds:datastoreItem xmlns:ds="http://schemas.openxmlformats.org/officeDocument/2006/customXml" ds:itemID="{BF288ECC-EB08-4B2F-BD67-717C37F37049}"/>
 </file>
 
 <file path=customXml/itemProps2.xml><?xml version="1.0" encoding="utf-8"?>
-<ds:datastoreItem xmlns:ds="http://schemas.openxmlformats.org/officeDocument/2006/customXml" ds:itemID="{BD5E50AD-C12E-4F12-B31C-127BDF02ED5D}"/>
+<ds:datastoreItem xmlns:ds="http://schemas.openxmlformats.org/officeDocument/2006/customXml" ds:itemID="{6FDDDF39-9891-44AC-85EB-0909D19C8DD0}"/>
 </file>
 
 <file path=customXml/itemProps3.xml><?xml version="1.0" encoding="utf-8"?>
-<ds:datastoreItem xmlns:ds="http://schemas.openxmlformats.org/officeDocument/2006/customXml" ds:itemID="{57CEAA91-DC10-431C-8BC1-94759F0A9ED0}"/>
+<ds:datastoreItem xmlns:ds="http://schemas.openxmlformats.org/officeDocument/2006/customXml" ds:itemID="{AEB32DB0-09E7-4C41-A86C-C8930F0DB134}"/>
 </file>